--- a/graphics/template-image.pptx
+++ b/graphics/template-image.pptx
@@ -9,6 +9,7 @@
     <p:sldId id="257" r:id="rId3"/>
     <p:sldId id="258" r:id="rId4"/>
     <p:sldId id="259" r:id="rId5"/>
+    <p:sldId id="260" r:id="rId6"/>
   </p:sldIdLst>
   <p:sldSz cx="12192000" cy="6858000"/>
   <p:notesSz cx="6858000" cy="9144000"/>
@@ -4146,15 +4147,7 @@
             </a:r>
             <a:r>
               <a:rPr lang="en-US" dirty="0"/>
-              <a:t> : Count of individuals </a:t>
-            </a:r>
-            <a:r>
-              <a:rPr lang="en-US"/>
-              <a:t>of this Species </a:t>
-            </a:r>
-            <a:r>
-              <a:rPr lang="en-US" dirty="0"/>
-              <a:t>across all trips</a:t>
+              <a:t> : Count of individuals of this Species across all trips</a:t>
             </a:r>
           </a:p>
           <a:p>
@@ -5141,6 +5134,225 @@
     <p:extLst>
       <p:ext uri="{BB962C8B-B14F-4D97-AF65-F5344CB8AC3E}">
         <p14:creationId xmlns:p14="http://schemas.microsoft.com/office/powerpoint/2010/main" val="5933005"/>
+      </p:ext>
+    </p:extLst>
+  </p:cSld>
+  <p:clrMapOvr>
+    <a:masterClrMapping/>
+  </p:clrMapOvr>
+</p:sld>
+</file>
+
+<file path=ppt/slides/slide5.xml><?xml version="1.0" encoding="utf-8"?>
+<p:sld xmlns:a="http://schemas.openxmlformats.org/drawingml/2006/main" xmlns:r="http://schemas.openxmlformats.org/officeDocument/2006/relationships" xmlns:p="http://schemas.openxmlformats.org/presentationml/2006/main">
+  <p:cSld>
+    <p:spTree>
+      <p:nvGrpSpPr>
+        <p:cNvPr id="1" name=""/>
+        <p:cNvGrpSpPr/>
+        <p:nvPr/>
+      </p:nvGrpSpPr>
+      <p:grpSpPr>
+        <a:xfrm>
+          <a:off x="0" y="0"/>
+          <a:ext cx="0" cy="0"/>
+          <a:chOff x="0" y="0"/>
+          <a:chExt cx="0" cy="0"/>
+        </a:xfrm>
+      </p:grpSpPr>
+      <p:pic>
+        <p:nvPicPr>
+          <p:cNvPr id="4" name="Picture 3">
+            <a:extLst>
+              <a:ext uri="{FF2B5EF4-FFF2-40B4-BE49-F238E27FC236}">
+                <a16:creationId xmlns:a16="http://schemas.microsoft.com/office/drawing/2014/main" id="{A58009B2-D639-03B8-7582-55C7032DC548}"/>
+              </a:ext>
+            </a:extLst>
+          </p:cNvPr>
+          <p:cNvPicPr>
+            <a:picLocks noChangeAspect="1"/>
+          </p:cNvPicPr>
+          <p:nvPr/>
+        </p:nvPicPr>
+        <p:blipFill>
+          <a:blip r:embed="rId2"/>
+          <a:stretch>
+            <a:fillRect/>
+          </a:stretch>
+        </p:blipFill>
+        <p:spPr>
+          <a:xfrm>
+            <a:off x="1478973" y="-2758"/>
+            <a:ext cx="9157854" cy="6863516"/>
+          </a:xfrm>
+          <a:prstGeom prst="rect">
+            <a:avLst/>
+          </a:prstGeom>
+        </p:spPr>
+      </p:pic>
+      <p:grpSp>
+        <p:nvGrpSpPr>
+          <p:cNvPr id="12" name="Group 11">
+            <a:extLst>
+              <a:ext uri="{FF2B5EF4-FFF2-40B4-BE49-F238E27FC236}">
+                <a16:creationId xmlns:a16="http://schemas.microsoft.com/office/drawing/2014/main" id="{0F73BB68-8304-A24D-643C-07197CA1F5E1}"/>
+              </a:ext>
+            </a:extLst>
+          </p:cNvPr>
+          <p:cNvGrpSpPr/>
+          <p:nvPr/>
+        </p:nvGrpSpPr>
+        <p:grpSpPr>
+          <a:xfrm>
+            <a:off x="3629891" y="3525985"/>
+            <a:ext cx="5153891" cy="436415"/>
+            <a:chOff x="2729345" y="-401782"/>
+            <a:chExt cx="7384473" cy="4475018"/>
+          </a:xfrm>
+        </p:grpSpPr>
+        <p:sp>
+          <p:nvSpPr>
+            <p:cNvPr id="6" name="Rectangle 5">
+              <a:extLst>
+                <a:ext uri="{FF2B5EF4-FFF2-40B4-BE49-F238E27FC236}">
+                  <a16:creationId xmlns:a16="http://schemas.microsoft.com/office/drawing/2014/main" id="{E3CA7F54-2217-0F0B-8E44-B569A22BF230}"/>
+                </a:ext>
+              </a:extLst>
+            </p:cNvPr>
+            <p:cNvSpPr/>
+            <p:nvPr/>
+          </p:nvSpPr>
+          <p:spPr>
+            <a:xfrm>
+              <a:off x="2729345" y="-387927"/>
+              <a:ext cx="7329055" cy="4405745"/>
+            </a:xfrm>
+            <a:prstGeom prst="rect">
+              <a:avLst/>
+            </a:prstGeom>
+            <a:noFill/>
+            <a:ln>
+              <a:noFill/>
+            </a:ln>
+          </p:spPr>
+          <p:style>
+            <a:lnRef idx="2">
+              <a:schemeClr val="accent1">
+                <a:shade val="15000"/>
+              </a:schemeClr>
+            </a:lnRef>
+            <a:fillRef idx="1">
+              <a:schemeClr val="accent1"/>
+            </a:fillRef>
+            <a:effectRef idx="0">
+              <a:schemeClr val="accent1"/>
+            </a:effectRef>
+            <a:fontRef idx="minor">
+              <a:schemeClr val="lt1"/>
+            </a:fontRef>
+          </p:style>
+          <p:txBody>
+            <a:bodyPr rtlCol="0" anchor="ctr"/>
+            <a:lstStyle/>
+            <a:p>
+              <a:pPr algn="ctr"/>
+              <a:endParaRPr lang="en-US"/>
+            </a:p>
+          </p:txBody>
+        </p:sp>
+        <p:cxnSp>
+          <p:nvCxnSpPr>
+            <p:cNvPr id="8" name="Straight Connector 7">
+              <a:extLst>
+                <a:ext uri="{FF2B5EF4-FFF2-40B4-BE49-F238E27FC236}">
+                  <a16:creationId xmlns:a16="http://schemas.microsoft.com/office/drawing/2014/main" id="{89FE5085-C990-294E-39EB-9FE681848977}"/>
+                </a:ext>
+              </a:extLst>
+            </p:cNvPr>
+            <p:cNvCxnSpPr>
+              <a:cxnSpLocks/>
+            </p:cNvCxnSpPr>
+            <p:nvPr/>
+          </p:nvCxnSpPr>
+          <p:spPr>
+            <a:xfrm>
+              <a:off x="2729345" y="-401782"/>
+              <a:ext cx="7329055" cy="4419600"/>
+            </a:xfrm>
+            <a:prstGeom prst="line">
+              <a:avLst/>
+            </a:prstGeom>
+            <a:ln w="41275">
+              <a:solidFill>
+                <a:srgbClr val="FF0000">
+                  <a:alpha val="38000"/>
+                </a:srgbClr>
+              </a:solidFill>
+            </a:ln>
+          </p:spPr>
+          <p:style>
+            <a:lnRef idx="2">
+              <a:schemeClr val="accent1"/>
+            </a:lnRef>
+            <a:fillRef idx="0">
+              <a:schemeClr val="accent1"/>
+            </a:fillRef>
+            <a:effectRef idx="1">
+              <a:schemeClr val="accent1"/>
+            </a:effectRef>
+            <a:fontRef idx="minor">
+              <a:schemeClr val="tx1"/>
+            </a:fontRef>
+          </p:style>
+        </p:cxnSp>
+        <p:cxnSp>
+          <p:nvCxnSpPr>
+            <p:cNvPr id="10" name="Straight Connector 9">
+              <a:extLst>
+                <a:ext uri="{FF2B5EF4-FFF2-40B4-BE49-F238E27FC236}">
+                  <a16:creationId xmlns:a16="http://schemas.microsoft.com/office/drawing/2014/main" id="{BE5F13BF-5E4D-659F-1E45-36619FBEAEED}"/>
+                </a:ext>
+              </a:extLst>
+            </p:cNvPr>
+            <p:cNvCxnSpPr/>
+            <p:nvPr/>
+          </p:nvCxnSpPr>
+          <p:spPr>
+            <a:xfrm flipV="1">
+              <a:off x="2729345" y="-401782"/>
+              <a:ext cx="7384473" cy="4475018"/>
+            </a:xfrm>
+            <a:prstGeom prst="line">
+              <a:avLst/>
+            </a:prstGeom>
+            <a:ln w="41275">
+              <a:solidFill>
+                <a:srgbClr val="FF0000">
+                  <a:alpha val="38000"/>
+                </a:srgbClr>
+              </a:solidFill>
+            </a:ln>
+          </p:spPr>
+          <p:style>
+            <a:lnRef idx="2">
+              <a:schemeClr val="accent1"/>
+            </a:lnRef>
+            <a:fillRef idx="0">
+              <a:schemeClr val="accent1"/>
+            </a:fillRef>
+            <a:effectRef idx="1">
+              <a:schemeClr val="accent1"/>
+            </a:effectRef>
+            <a:fontRef idx="minor">
+              <a:schemeClr val="tx1"/>
+            </a:fontRef>
+          </p:style>
+        </p:cxnSp>
+      </p:grpSp>
+    </p:spTree>
+    <p:extLst>
+      <p:ext uri="{BB962C8B-B14F-4D97-AF65-F5344CB8AC3E}">
+        <p14:creationId xmlns:p14="http://schemas.microsoft.com/office/powerpoint/2010/main" val="1603918164"/>
       </p:ext>
     </p:extLst>
   </p:cSld>
